--- a/tubes/PPT Flappy Bird 3D.pptx
+++ b/tubes/PPT Flappy Bird 3D.pptx
@@ -218,7 +218,7 @@
           <a:p>
             <a:fld id="{A0FE4780-4742-4AF7-B9F6-29387D06C872}" type="datetimeFigureOut">
               <a:rPr lang="ko-KR" altLang="en-US" smtClean="0"/>
-              <a:t>2021-02-04</a:t>
+              <a:t>2021-02-18</a:t>
             </a:fld>
             <a:endParaRPr lang="ko-KR" altLang="en-US"/>
           </a:p>
@@ -8790,7 +8790,7 @@
             </a:lvl9pPr>
           </a:lstStyle>
           <a:p>
-            <a:pPr marL="285750" indent="-285750">
+            <a:pPr marL="285750" indent="-285750" algn="just">
               <a:buFont typeface="Wingdings" panose="05000000000000000000" pitchFamily="2" charset="2"/>
               <a:buChar char="Ø"/>
             </a:pPr>
@@ -8816,7 +8816,7 @@
             </a:r>
             <a:r>
               <a:rPr lang="en-US" sz="1600" dirty="0"/>
-              <a:t> </a:t>
+              <a:t> button </a:t>
             </a:r>
             <a:r>
               <a:rPr lang="en-US" sz="1600" dirty="0" err="1"/>
@@ -8832,7 +8832,7 @@
             </a:r>
             <a:r>
               <a:rPr lang="en-US" sz="1600" dirty="0"/>
-              <a:t> </a:t>
+              <a:t>         </a:t>
             </a:r>
             <a:r>
               <a:rPr lang="en-US" sz="1600" dirty="0" err="1"/>
@@ -8888,7 +8888,7 @@
             </a:r>
             <a:r>
               <a:rPr lang="en-US" sz="1600" dirty="0"/>
-              <a:t> </a:t>
+              <a:t>    </a:t>
             </a:r>
             <a:r>
               <a:rPr lang="en-US" sz="1600" dirty="0" err="1">
@@ -8936,11 +8936,35 @@
             </a:r>
             <a:r>
               <a:rPr lang="en-US" sz="1600" dirty="0"/>
+              <a:t>, </a:t>
+            </a:r>
+            <a:r>
+              <a:rPr lang="en-US" sz="1600" dirty="0" err="1"/>
+              <a:t>disini</a:t>
+            </a:r>
+            <a:r>
+              <a:rPr lang="en-US" sz="1600" dirty="0"/>
+              <a:t> kami </a:t>
+            </a:r>
+            <a:r>
+              <a:rPr lang="en-US" sz="1600" dirty="0" err="1"/>
+              <a:t>menggunakan</a:t>
+            </a:r>
+            <a:r>
+              <a:rPr lang="en-US" sz="1600" dirty="0"/>
+              <a:t> </a:t>
+            </a:r>
+            <a:r>
+              <a:rPr lang="en-US" sz="1600" dirty="0" err="1"/>
+              <a:t>elang</a:t>
+            </a:r>
+            <a:r>
+              <a:rPr lang="en-US" sz="1600" dirty="0"/>
               <a:t>.</a:t>
             </a:r>
           </a:p>
           <a:p>
-            <a:pPr marL="285750" indent="-285750">
+            <a:pPr marL="285750" indent="-285750" algn="just">
               <a:buFont typeface="Wingdings" panose="05000000000000000000" pitchFamily="2" charset="2"/>
               <a:buChar char="Ø"/>
             </a:pPr>
@@ -9174,7 +9198,7 @@
             </a:r>
           </a:p>
           <a:p>
-            <a:pPr marL="285750" indent="-285750">
+            <a:pPr marL="285750" indent="-285750" algn="just">
               <a:buFont typeface="Wingdings" panose="05000000000000000000" pitchFamily="2" charset="2"/>
               <a:buChar char="Ø"/>
             </a:pPr>
